--- a/Courses/Computer-Modeling-and-IT/Computer-Modeling-and-IT-6-Class/29-Cyclic-Algorithm-Implementation/29-Cyclic-Algorithm-Implementation.pptx
+++ b/Courses/Computer-Modeling-and-IT/Computer-Modeling-and-IT-6-Class/29-Cyclic-Algorithm-Implementation/29-Cyclic-Algorithm-Implementation.pptx
@@ -315,7 +315,7 @@
           <a:p>
             <a:fld id="{4E087215-0C8F-4762-A664-737A353EC9A4}" type="datetimeFigureOut">
               <a:rPr lang="bg-BG" smtClean="0"/>
-              <a:t>27.11.2024 г.</a:t>
+              <a:t>3.9.2025 г.</a:t>
             </a:fld>
             <a:endParaRPr lang="bg-BG"/>
           </a:p>
@@ -511,7 +511,7 @@
           <a:p>
             <a:fld id="{72D84649-876A-46C9-8472-14CB09C070D8}" type="datetimeFigureOut">
               <a:rPr lang="en-US" smtClean="0"/>
-              <a:t>11/27/2024</a:t>
+              <a:t>3-Sep-25</a:t>
             </a:fld>
             <a:endParaRPr lang="en-US"/>
           </a:p>
@@ -7360,23 +7360,23 @@
           <a:lstStyle/>
           <a:p>
             <a:r>
-              <a:rPr lang="ru-RU" dirty="0" smtClean="0"/>
+              <a:rPr lang="ru-RU" dirty="0"/>
               <a:t>Повторения с </a:t>
             </a:r>
             <a:r>
-              <a:rPr lang="en-US" dirty="0" smtClean="0"/>
+              <a:rPr lang="en-US" dirty="0"/>
               <a:t>For </a:t>
             </a:r>
             <a:r>
-              <a:rPr lang="bg-BG" dirty="0" smtClean="0"/>
+              <a:rPr lang="bg-BG" dirty="0"/>
               <a:t>и </a:t>
             </a:r>
             <a:r>
-              <a:rPr lang="en-US" dirty="0" smtClean="0"/>
+              <a:rPr lang="en-US" dirty="0"/>
               <a:t>While </a:t>
             </a:r>
             <a:r>
-              <a:rPr lang="bg-BG" dirty="0" smtClean="0"/>
+              <a:rPr lang="bg-BG" dirty="0"/>
               <a:t>цикъл</a:t>
             </a:r>
             <a:endParaRPr lang="en-US" dirty="0"/>
@@ -7492,13 +7492,6 @@
       <p:transition spd="slow" advClick="0" advTm="5000"/>
     </mc:Fallback>
   </mc:AlternateContent>
-  <p:timing>
-    <p:tnLst>
-      <p:par>
-        <p:cTn id="1" dur="indefinite" restart="never" nodeType="tmRoot"/>
-      </p:par>
-    </p:tnLst>
-  </p:timing>
 </p:sld>
 </file>
 
@@ -8568,15 +8561,15 @@
           <a:lstStyle/>
           <a:p>
             <a:r>
-              <a:rPr lang="bg-BG" dirty="0" smtClean="0"/>
+              <a:rPr lang="bg-BG" dirty="0"/>
               <a:t>Числата от 1 до </a:t>
             </a:r>
             <a:r>
-              <a:rPr lang="en-US" dirty="0" smtClean="0"/>
+              <a:rPr lang="en-US" dirty="0"/>
               <a:t>N </a:t>
             </a:r>
             <a:r>
-              <a:rPr lang="bg-BG" dirty="0" smtClean="0"/>
+              <a:rPr lang="bg-BG" dirty="0"/>
               <a:t>през 3 – блок схема</a:t>
             </a:r>
             <a:endParaRPr lang="en-US" dirty="0"/>
@@ -8653,7 +8646,7 @@
             <a:p>
               <a:pPr algn="ctr"/>
               <a:r>
-                <a:rPr lang="en-US" sz="2800" b="1" dirty="0" smtClean="0">
+                <a:rPr lang="en-US" sz="2800" b="1" dirty="0">
                   <a:solidFill>
                     <a:srgbClr val="FFFFFF"/>
                   </a:solidFill>
@@ -8667,18 +8660,6 @@
                 </a:rPr>
                 <a:t>i</a:t>
               </a:r>
-              <a:endParaRPr lang="en-US" sz="2800" b="1" dirty="0">
-                <a:solidFill>
-                  <a:srgbClr val="FFFFFF"/>
-                </a:solidFill>
-                <a:effectLst>
-                  <a:outerShdw blurRad="38100" dist="38100" dir="2700000" algn="tl">
-                    <a:srgbClr val="000000">
-                      <a:alpha val="43137"/>
-                    </a:srgbClr>
-                  </a:outerShdw>
-                </a:effectLst>
-              </a:endParaRPr>
             </a:p>
           </p:txBody>
         </p:sp>
@@ -8738,7 +8719,7 @@
             <a:p>
               <a:pPr algn="ctr"/>
               <a:r>
-                <a:rPr lang="bg-BG" sz="2800" b="1" dirty="0" smtClean="0">
+                <a:rPr lang="bg-BG" sz="2800" b="1" dirty="0">
                   <a:solidFill>
                     <a:srgbClr val="FFFFFF"/>
                   </a:solidFill>
@@ -8823,7 +8804,7 @@
             <a:p>
               <a:pPr algn="ctr"/>
               <a:r>
-                <a:rPr lang="en-US" sz="2800" b="1" dirty="0" smtClean="0">
+                <a:rPr lang="en-US" sz="2800" b="1" dirty="0">
                   <a:solidFill>
                     <a:srgbClr val="FFFFFF"/>
                   </a:solidFill>
@@ -8837,18 +8818,6 @@
                 </a:rPr>
                 <a:t>i = 1</a:t>
               </a:r>
-              <a:endParaRPr lang="en-US" sz="2800" b="1" dirty="0">
-                <a:solidFill>
-                  <a:srgbClr val="FFFFFF"/>
-                </a:solidFill>
-                <a:effectLst>
-                  <a:outerShdw blurRad="38100" dist="38100" dir="2700000" algn="tl">
-                    <a:srgbClr val="000000">
-                      <a:alpha val="43137"/>
-                    </a:srgbClr>
-                  </a:outerShdw>
-                </a:effectLst>
-              </a:endParaRPr>
             </a:p>
           </p:txBody>
         </p:sp>
@@ -8908,7 +8877,7 @@
             <a:p>
               <a:pPr algn="ctr"/>
               <a:r>
-                <a:rPr lang="bg-BG" sz="2800" b="1" dirty="0" smtClean="0">
+                <a:rPr lang="bg-BG" sz="2800" b="1" dirty="0">
                   <a:solidFill>
                     <a:srgbClr val="FFFFFF"/>
                   </a:solidFill>
@@ -8993,21 +8962,6 @@
             <a:p>
               <a:pPr algn="ctr"/>
               <a:r>
-                <a:rPr lang="en-US" sz="2800" b="1" dirty="0" smtClean="0">
-                  <a:solidFill>
-                    <a:srgbClr val="FFFFFF"/>
-                  </a:solidFill>
-                  <a:effectLst>
-                    <a:outerShdw blurRad="38100" dist="38100" dir="2700000" algn="tl">
-                      <a:srgbClr val="000000">
-                        <a:alpha val="43137"/>
-                      </a:srgbClr>
-                    </a:outerShdw>
-                  </a:effectLst>
-                </a:rPr>
-                <a:t>i </a:t>
-              </a:r>
-              <a:r>
                 <a:rPr lang="en-US" sz="2800" b="1" dirty="0">
                   <a:solidFill>
                     <a:srgbClr val="FFFFFF"/>
@@ -9020,35 +8974,8 @@
                     </a:outerShdw>
                   </a:effectLst>
                 </a:rPr>
-                <a:t>&lt;= </a:t>
+                <a:t>i &lt;= n</a:t>
               </a:r>
-              <a:r>
-                <a:rPr lang="en-US" sz="2800" b="1" dirty="0" smtClean="0">
-                  <a:solidFill>
-                    <a:srgbClr val="FFFFFF"/>
-                  </a:solidFill>
-                  <a:effectLst>
-                    <a:outerShdw blurRad="38100" dist="38100" dir="2700000" algn="tl">
-                      <a:srgbClr val="000000">
-                        <a:alpha val="43137"/>
-                      </a:srgbClr>
-                    </a:outerShdw>
-                  </a:effectLst>
-                </a:rPr>
-                <a:t>n</a:t>
-              </a:r>
-              <a:endParaRPr lang="en-US" sz="2800" b="1" dirty="0">
-                <a:solidFill>
-                  <a:srgbClr val="FFFFFF"/>
-                </a:solidFill>
-                <a:effectLst>
-                  <a:outerShdw blurRad="38100" dist="38100" dir="2700000" algn="tl">
-                    <a:srgbClr val="000000">
-                      <a:alpha val="43137"/>
-                    </a:srgbClr>
-                  </a:outerShdw>
-                </a:effectLst>
-              </a:endParaRPr>
             </a:p>
           </p:txBody>
         </p:sp>
@@ -9529,7 +9456,7 @@
             <a:p>
               <a:pPr algn="ctr"/>
               <a:r>
-                <a:rPr lang="en-US" sz="2800" b="1" dirty="0" smtClean="0">
+                <a:rPr lang="en-US" sz="2800" b="1" dirty="0">
                   <a:solidFill>
                     <a:srgbClr val="FFFFFF"/>
                   </a:solidFill>
@@ -9543,18 +9470,6 @@
                 </a:rPr>
                 <a:t>i += 3</a:t>
               </a:r>
-              <a:endParaRPr lang="en-US" sz="2800" b="1" dirty="0">
-                <a:solidFill>
-                  <a:srgbClr val="FFFFFF"/>
-                </a:solidFill>
-                <a:effectLst>
-                  <a:outerShdw blurRad="38100" dist="38100" dir="2700000" algn="tl">
-                    <a:srgbClr val="000000">
-                      <a:alpha val="43137"/>
-                    </a:srgbClr>
-                  </a:outerShdw>
-                </a:effectLst>
-              </a:endParaRPr>
             </a:p>
           </p:txBody>
         </p:sp>
@@ -9613,13 +9528,6 @@
       <p:transition spd="slow" advClick="0" advTm="5000"/>
     </mc:Fallback>
   </mc:AlternateContent>
-  <p:timing>
-    <p:tnLst>
-      <p:par>
-        <p:cTn id="1" dur="indefinite" restart="never" nodeType="tmRoot"/>
-      </p:par>
-    </p:tnLst>
-  </p:timing>
 </p:sld>
 </file>
 
@@ -10230,13 +10138,6 @@
       <p:transition spd="slow" advClick="0" advTm="5000"/>
     </mc:Fallback>
   </mc:AlternateContent>
-  <p:timing>
-    <p:tnLst>
-      <p:par>
-        <p:cTn id="1" dur="indefinite" restart="never" nodeType="tmRoot"/>
-      </p:par>
-    </p:tnLst>
-  </p:timing>
 </p:sld>
 </file>
 
@@ -11011,11 +10912,11 @@
               <a:t>чете </a:t>
             </a:r>
             <a:r>
-              <a:rPr lang="bg-BG" sz="3400" b="1" dirty="0" smtClean="0"/>
+              <a:rPr lang="bg-BG" sz="3400" b="1" dirty="0"/>
               <a:t>текст</a:t>
             </a:r>
             <a:r>
-              <a:rPr lang="bg-BG" sz="3400" dirty="0" smtClean="0"/>
+              <a:rPr lang="bg-BG" sz="3400" dirty="0"/>
               <a:t> (</a:t>
             </a:r>
             <a:r>
@@ -12081,7 +11982,7 @@
         <p:spPr>
           <a:xfrm>
             <a:off x="2430475" y="2181172"/>
-            <a:ext cx="7331050" cy="2495656"/>
+            <a:ext cx="7331050" cy="2003213"/>
           </a:xfrm>
           <a:solidFill>
             <a:schemeClr val="accent5">
@@ -12133,7 +12034,15 @@
             </a:pPr>
             <a:r>
               <a:rPr lang="en-US" sz="3200" dirty="0"/>
-              <a:t>for i in range(0,len(length)):</a:t>
+              <a:t>for i in range(0, </a:t>
+            </a:r>
+            <a:r>
+              <a:rPr lang="en-US" sz="3200" dirty="0" err="1"/>
+              <a:t>len</a:t>
+            </a:r>
+            <a:r>
+              <a:rPr lang="en-US" sz="3200" dirty="0"/>
+              <a:t>(length)):</a:t>
             </a:r>
           </a:p>
           <a:p>
@@ -12150,15 +12059,7 @@
             </a:pPr>
             <a:r>
               <a:rPr lang="en-US" sz="3200" dirty="0"/>
-              <a:t>    </a:t>
-            </a:r>
-            <a:r>
-              <a:rPr lang="en-US" sz="3200" dirty="0" smtClean="0"/>
-              <a:t>print(length[i</a:t>
-            </a:r>
-            <a:r>
-              <a:rPr lang="en-US" sz="3200" dirty="0"/>
-              <a:t>])</a:t>
+              <a:t>    print(length[i])</a:t>
             </a:r>
             <a:endParaRPr lang="bg-BG" sz="3200" dirty="0"/>
           </a:p>
@@ -12720,7 +12621,7 @@
           <a:lstStyle/>
           <a:p>
             <a:r>
-              <a:rPr lang="bg-BG" dirty="0" smtClean="0"/>
+              <a:rPr lang="bg-BG" dirty="0"/>
               <a:t>Конструкция и употреба</a:t>
             </a:r>
             <a:endParaRPr lang="en-US" dirty="0"/>
@@ -12743,11 +12644,11 @@
           <a:lstStyle/>
           <a:p>
             <a:r>
-              <a:rPr lang="en-US" dirty="0" smtClean="0"/>
+              <a:rPr lang="en-US" dirty="0"/>
               <a:t>While </a:t>
             </a:r>
             <a:r>
-              <a:rPr lang="bg-BG" dirty="0" smtClean="0"/>
+              <a:rPr lang="bg-BG" dirty="0"/>
               <a:t>цикъл</a:t>
             </a:r>
             <a:endParaRPr lang="en-US" dirty="0"/>
@@ -12890,7 +12791,7 @@
               <a:buSzPct val="70000"/>
             </a:pPr>
             <a:r>
-              <a:rPr lang="en-US" sz="6600" b="1" dirty="0" smtClean="0">
+              <a:rPr lang="en-US" sz="6600" b="1" dirty="0">
                 <a:solidFill>
                   <a:schemeClr val="bg2"/>
                 </a:solidFill>
@@ -12925,13 +12826,6 @@
       <p:transition spd="slow" advClick="0" advTm="5000"/>
     </mc:Fallback>
   </mc:AlternateContent>
-  <p:timing>
-    <p:tnLst>
-      <p:par>
-        <p:cTn id="1" dur="indefinite" restart="never" nodeType="tmRoot"/>
-      </p:par>
-    </p:tnLst>
-  </p:timing>
 </p:sld>
 </file>
 
@@ -12973,12 +12867,8 @@
               </a:lnSpc>
             </a:pPr>
             <a:r>
-              <a:rPr lang="bg-BG" sz="3200" dirty="0" smtClean="0"/>
-              <a:t>Както вече разбрахме, в </a:t>
-            </a:r>
-            <a:r>
               <a:rPr lang="bg-BG" sz="3200" dirty="0"/>
-              <a:t>програмирането често се налага да изпълним блок с команди няколко пъти</a:t>
+              <a:t>Както вече разбрахме, в програмирането често се налага да изпълним блок с команди няколко пъти</a:t>
             </a:r>
           </a:p>
           <a:p>
@@ -13080,11 +12970,7 @@
             </a:r>
             <a:r>
               <a:rPr lang="en-US" dirty="0"/>
-              <a:t> </a:t>
-            </a:r>
-            <a:r>
-              <a:rPr lang="en-US" dirty="0" smtClean="0"/>
-              <a:t>– </a:t>
+              <a:t> – </a:t>
             </a:r>
             <a:r>
               <a:rPr lang="bg-BG" dirty="0"/>
@@ -13283,7 +13169,7 @@
               <a:t># </a:t>
             </a:r>
             <a:r>
-              <a:rPr lang="bg-BG" sz="3000" b="1" i="1" noProof="1" smtClean="0">
+              <a:rPr lang="bg-BG" sz="3000" b="1" i="1" noProof="1">
                 <a:solidFill>
                   <a:schemeClr val="accent2"/>
                 </a:solidFill>
@@ -14591,10 +14477,9 @@
           <a:lstStyle/>
           <a:p>
             <a:r>
-              <a:rPr lang="en-US" dirty="0" smtClean="0"/>
+              <a:rPr lang="en-US" dirty="0"/>
               <a:t>Python</a:t>
             </a:r>
-            <a:endParaRPr lang="en-US" dirty="0"/>
           </a:p>
         </p:txBody>
       </p:sp>
@@ -14614,10 +14499,9 @@
           <a:lstStyle/>
           <a:p>
             <a:r>
-              <a:rPr lang="en-US" dirty="0" smtClean="0"/>
+              <a:rPr lang="en-US" dirty="0"/>
               <a:t>Scratch</a:t>
             </a:r>
-            <a:endParaRPr lang="en-US" dirty="0"/>
           </a:p>
         </p:txBody>
       </p:sp>
@@ -14637,26 +14521,25 @@
           <a:lstStyle/>
           <a:p>
             <a:r>
-              <a:rPr lang="en-US" dirty="0" smtClean="0"/>
+              <a:rPr lang="en-US" dirty="0"/>
               <a:t>While </a:t>
             </a:r>
             <a:r>
-              <a:rPr lang="bg-BG" dirty="0" smtClean="0"/>
+              <a:rPr lang="bg-BG" dirty="0"/>
               <a:t>цикъл – </a:t>
             </a:r>
             <a:r>
-              <a:rPr lang="en-US" dirty="0" smtClean="0"/>
+              <a:rPr lang="en-US" dirty="0"/>
               <a:t>Scratch </a:t>
             </a:r>
             <a:r>
-              <a:rPr lang="bg-BG" dirty="0" smtClean="0"/>
+              <a:rPr lang="bg-BG" dirty="0"/>
               <a:t>срещу </a:t>
             </a:r>
             <a:r>
-              <a:rPr lang="en-US" dirty="0" smtClean="0"/>
+              <a:rPr lang="en-US" dirty="0"/>
               <a:t>Python</a:t>
             </a:r>
-            <a:endParaRPr lang="en-US" dirty="0"/>
           </a:p>
         </p:txBody>
       </p:sp>
@@ -14707,7 +14590,7 @@
               <a:buSzPct val="70000"/>
             </a:pPr>
             <a:r>
-              <a:rPr lang="en-US" sz="2800" b="1" dirty="0" smtClean="0">
+              <a:rPr lang="en-US" sz="2800" b="1" dirty="0">
                 <a:latin typeface="Consolas" panose="020B0609020204030204" pitchFamily="49" charset="0"/>
               </a:rPr>
               <a:t>i = 0</a:t>
@@ -14727,7 +14610,7 @@
               <a:buSzPct val="70000"/>
             </a:pPr>
             <a:r>
-              <a:rPr lang="en-US" sz="2800" b="1" dirty="0" smtClean="0">
+              <a:rPr lang="en-US" sz="2800" b="1" dirty="0">
                 <a:latin typeface="Consolas" panose="020B0609020204030204" pitchFamily="49" charset="0"/>
               </a:rPr>
               <a:t>while i&lt;10:</a:t>
@@ -14750,27 +14633,21 @@
               <a:rPr lang="en-US" sz="2800" b="1" dirty="0">
                 <a:latin typeface="Consolas" panose="020B0609020204030204" pitchFamily="49" charset="0"/>
               </a:rPr>
-              <a:t> </a:t>
-            </a:r>
-            <a:r>
-              <a:rPr lang="en-US" sz="2800" b="1" dirty="0" smtClean="0">
-                <a:latin typeface="Consolas" panose="020B0609020204030204" pitchFamily="49" charset="0"/>
-              </a:rPr>
-              <a:t> print("</a:t>
-            </a:r>
-            <a:r>
-              <a:rPr lang="bg-BG" sz="2800" b="1" dirty="0" smtClean="0">
+              <a:t>  print("</a:t>
+            </a:r>
+            <a:r>
+              <a:rPr lang="bg-BG" sz="2800" b="1" dirty="0">
                 <a:latin typeface="Consolas" panose="020B0609020204030204" pitchFamily="49" charset="0"/>
               </a:rPr>
               <a:t>Здравей!</a:t>
             </a:r>
             <a:r>
-              <a:rPr lang="en-US" sz="2800" b="1" dirty="0" smtClean="0">
+              <a:rPr lang="en-US" sz="2800" b="1" dirty="0">
                 <a:latin typeface="Consolas" panose="020B0609020204030204" pitchFamily="49" charset="0"/>
               </a:rPr>
               <a:t>")</a:t>
             </a:r>
-            <a:endParaRPr lang="bg-BG" sz="2800" b="1" dirty="0" smtClean="0">
+            <a:endParaRPr lang="bg-BG" sz="2800" b="1" dirty="0">
               <a:latin typeface="Consolas" panose="020B0609020204030204" pitchFamily="49" charset="0"/>
             </a:endParaRPr>
           </a:p>
@@ -14791,23 +14668,14 @@
               <a:rPr lang="bg-BG" sz="2800" b="1" dirty="0">
                 <a:latin typeface="Consolas" panose="020B0609020204030204" pitchFamily="49" charset="0"/>
               </a:rPr>
-              <a:t> </a:t>
-            </a:r>
-            <a:r>
-              <a:rPr lang="bg-BG" sz="2800" b="1" dirty="0" smtClean="0">
-                <a:latin typeface="Consolas" panose="020B0609020204030204" pitchFamily="49" charset="0"/>
-              </a:rPr>
-              <a:t> </a:t>
-            </a:r>
-            <a:r>
-              <a:rPr lang="en-US" sz="2800" b="1" dirty="0" smtClean="0">
+              <a:t>  </a:t>
+            </a:r>
+            <a:r>
+              <a:rPr lang="en-US" sz="2800" b="1" dirty="0">
                 <a:latin typeface="Consolas" panose="020B0609020204030204" pitchFamily="49" charset="0"/>
               </a:rPr>
               <a:t>i = i + 1</a:t>
             </a:r>
-            <a:endParaRPr lang="en-US" sz="2800" b="1" dirty="0">
-              <a:latin typeface="Consolas" panose="020B0609020204030204" pitchFamily="49" charset="0"/>
-            </a:endParaRPr>
           </a:p>
         </p:txBody>
       </p:sp>
@@ -15142,7 +15010,7 @@
           <a:lstStyle/>
           <a:p>
             <a:r>
-              <a:rPr lang="bg-BG" dirty="0" smtClean="0"/>
+              <a:rPr lang="bg-BG" dirty="0"/>
               <a:t>͏</a:t>
             </a:r>
             <a:r>
@@ -15166,11 +15034,11 @@
           </a:p>
           <a:p>
             <a:r>
-              <a:rPr lang="en-US" dirty="0" smtClean="0"/>
+              <a:rPr lang="en-US" dirty="0"/>
               <a:t>͏</a:t>
             </a:r>
             <a:r>
-              <a:rPr lang="en-US" b="1" dirty="0" smtClean="0">
+              <a:rPr lang="en-US" b="1" dirty="0">
                 <a:solidFill>
                   <a:schemeClr val="bg1"/>
                 </a:solidFill>
@@ -15178,41 +15046,41 @@
               <a:t>For</a:t>
             </a:r>
             <a:r>
-              <a:rPr lang="bg-BG" dirty="0" smtClean="0"/>
+              <a:rPr lang="bg-BG" dirty="0"/>
               <a:t> цикъл</a:t>
             </a:r>
           </a:p>
           <a:p>
             <a:pPr lvl="1"/>
             <a:r>
-              <a:rPr lang="bg-BG" dirty="0" smtClean="0"/>
+              <a:rPr lang="bg-BG" dirty="0"/>
               <a:t>Конструкция</a:t>
             </a:r>
           </a:p>
           <a:p>
             <a:pPr lvl="1"/>
             <a:r>
-              <a:rPr lang="bg-BG" dirty="0" smtClean="0"/>
+              <a:rPr lang="bg-BG" dirty="0"/>
               <a:t>Цикли със </a:t>
             </a:r>
             <a:r>
-              <a:rPr lang="bg-BG" b="1" dirty="0" smtClean="0"/>
+              <a:rPr lang="bg-BG" b="1" dirty="0"/>
               <a:t>стъпка</a:t>
             </a:r>
           </a:p>
           <a:p>
             <a:r>
-              <a:rPr lang="bg-BG" dirty="0" smtClean="0"/>
+              <a:rPr lang="bg-BG" dirty="0"/>
               <a:t>Работа с текст</a:t>
             </a:r>
           </a:p>
           <a:p>
             <a:r>
-              <a:rPr lang="en-US" dirty="0" smtClean="0"/>
+              <a:rPr lang="en-US" dirty="0"/>
               <a:t>͏</a:t>
             </a:r>
             <a:r>
-              <a:rPr lang="en-US" b="1" dirty="0" smtClean="0">
+              <a:rPr lang="en-US" b="1" dirty="0">
                 <a:solidFill>
                   <a:schemeClr val="bg1"/>
                 </a:solidFill>
@@ -15220,33 +15088,33 @@
               <a:t>While</a:t>
             </a:r>
             <a:r>
-              <a:rPr lang="en-US" b="1" dirty="0" smtClean="0"/>
+              <a:rPr lang="en-US" b="1" dirty="0"/>
               <a:t> </a:t>
             </a:r>
             <a:r>
-              <a:rPr lang="bg-BG" dirty="0" smtClean="0"/>
+              <a:rPr lang="bg-BG" dirty="0"/>
               <a:t>цикъл</a:t>
             </a:r>
           </a:p>
           <a:p>
             <a:pPr lvl="1"/>
             <a:r>
-              <a:rPr lang="bg-BG" dirty="0" smtClean="0"/>
+              <a:rPr lang="bg-BG" dirty="0"/>
               <a:t>Конструкция</a:t>
             </a:r>
           </a:p>
           <a:p>
             <a:pPr lvl="1"/>
             <a:r>
-              <a:rPr lang="bg-BG" b="1" dirty="0" smtClean="0"/>
+              <a:rPr lang="bg-BG" b="1" dirty="0"/>
               <a:t>Безкраен</a:t>
             </a:r>
             <a:r>
-              <a:rPr lang="bg-BG" dirty="0" smtClean="0"/>
+              <a:rPr lang="bg-BG" dirty="0"/>
               <a:t> </a:t>
             </a:r>
             <a:r>
-              <a:rPr lang="en-US" b="1" dirty="0" smtClean="0">
+              <a:rPr lang="en-US" b="1" dirty="0">
                 <a:solidFill>
                   <a:schemeClr val="bg1"/>
                 </a:solidFill>
@@ -15254,33 +15122,33 @@
               <a:t>while</a:t>
             </a:r>
             <a:r>
-              <a:rPr lang="en-US" dirty="0" smtClean="0"/>
+              <a:rPr lang="en-US" dirty="0"/>
               <a:t> </a:t>
             </a:r>
             <a:r>
-              <a:rPr lang="bg-BG" dirty="0" smtClean="0"/>
+              <a:rPr lang="bg-BG" dirty="0"/>
               <a:t>цикъл</a:t>
             </a:r>
           </a:p>
           <a:p>
             <a:pPr lvl="1"/>
             <a:r>
-              <a:rPr lang="bg-BG" b="1" dirty="0" smtClean="0"/>
+              <a:rPr lang="bg-BG" b="1" dirty="0"/>
               <a:t>Прекъсване</a:t>
             </a:r>
             <a:r>
-              <a:rPr lang="bg-BG" dirty="0" smtClean="0"/>
+              <a:rPr lang="bg-BG" dirty="0"/>
               <a:t> на цикъл</a:t>
             </a:r>
           </a:p>
           <a:p>
             <a:pPr lvl="1"/>
             <a:r>
-              <a:rPr lang="bg-BG" b="1" dirty="0" smtClean="0"/>
+              <a:rPr lang="bg-BG" b="1" dirty="0"/>
               <a:t>Продължаване</a:t>
             </a:r>
             <a:r>
-              <a:rPr lang="bg-BG" dirty="0" smtClean="0"/>
+              <a:rPr lang="bg-BG" dirty="0"/>
               <a:t> на цикъл</a:t>
             </a:r>
           </a:p>
@@ -16011,14 +15879,7 @@
                 <a:latin typeface="Consolas" pitchFamily="49" charset="0"/>
                 <a:cs typeface="Consolas" pitchFamily="49" charset="0"/>
               </a:rPr>
-              <a:t>a &lt;= 10</a:t>
-            </a:r>
-            <a:r>
-              <a:rPr lang="en-US" sz="3000" b="1" noProof="1" smtClean="0">
-                <a:latin typeface="Consolas" pitchFamily="49" charset="0"/>
-                <a:cs typeface="Consolas" pitchFamily="49" charset="0"/>
-              </a:rPr>
-              <a:t>:</a:t>
+              <a:t>a &lt;= 10:</a:t>
             </a:r>
             <a:endParaRPr lang="en-US" sz="3000" b="1" noProof="1">
               <a:solidFill>
@@ -17316,24 +17177,16 @@
           <a:lstStyle/>
           <a:p>
             <a:r>
-              <a:rPr lang="bg-BG" b="1" dirty="0" smtClean="0"/>
+              <a:rPr lang="bg-BG" b="1" dirty="0"/>
               <a:t>͏</a:t>
             </a:r>
             <a:r>
-              <a:rPr lang="bg-BG" b="1" dirty="0" smtClean="0">
+              <a:rPr lang="bg-BG" b="1" dirty="0">
                 <a:solidFill>
                   <a:schemeClr val="bg1"/>
                 </a:solidFill>
               </a:rPr>
-              <a:t>Безкраен </a:t>
-            </a:r>
-            <a:r>
-              <a:rPr lang="bg-BG" b="1" dirty="0">
-                <a:solidFill>
-                  <a:schemeClr val="bg1"/>
-                </a:solidFill>
-              </a:rPr>
-              <a:t>цикъл </a:t>
+              <a:t>Безкраен цикъл </a:t>
             </a:r>
             <a:r>
               <a:rPr lang="en-US" dirty="0"/>
@@ -17350,16 +17203,12 @@
             <a:r>
               <a:rPr lang="bg-BG" b="1" dirty="0"/>
               <a:t>безкраен брой </a:t>
-            </a:r>
-            <a:r>
-              <a:rPr lang="en-US" b="1" dirty="0"/>
-              <a:t/>
             </a:r>
             <a:br>
               <a:rPr lang="en-US" b="1" dirty="0"/>
             </a:br>
             <a:r>
-              <a:rPr lang="bg-BG" b="1" dirty="0" smtClean="0"/>
+              <a:rPr lang="bg-BG" b="1" dirty="0"/>
               <a:t>пъти</a:t>
             </a:r>
             <a:endParaRPr lang="bg-BG" dirty="0"/>
@@ -17543,33 +17392,22 @@
                 <a:latin typeface="Consolas" pitchFamily="49" charset="0"/>
                 <a:cs typeface="Consolas" pitchFamily="49" charset="0"/>
               </a:rPr>
-              <a:t>  print</a:t>
-            </a:r>
-            <a:r>
-              <a:rPr lang="en-US" sz="2800" b="1" noProof="1" smtClean="0">
-                <a:latin typeface="Consolas" pitchFamily="49" charset="0"/>
-                <a:cs typeface="Consolas" pitchFamily="49" charset="0"/>
-              </a:rPr>
-              <a:t>("</a:t>
-            </a:r>
-            <a:r>
-              <a:rPr lang="bg-BG" sz="2800" b="1" noProof="1" smtClean="0">
+              <a:t>  print("</a:t>
+            </a:r>
+            <a:r>
+              <a:rPr lang="bg-BG" sz="2800" b="1" noProof="1">
                 <a:latin typeface="Consolas" pitchFamily="49" charset="0"/>
                 <a:cs typeface="Consolas" pitchFamily="49" charset="0"/>
               </a:rPr>
               <a:t>Здравей!</a:t>
             </a:r>
             <a:r>
-              <a:rPr lang="en-US" sz="2800" b="1" noProof="1" smtClean="0">
+              <a:rPr lang="en-US" sz="2800" b="1" noProof="1">
                 <a:latin typeface="Consolas" pitchFamily="49" charset="0"/>
                 <a:cs typeface="Consolas" pitchFamily="49" charset="0"/>
               </a:rPr>
               <a:t>")</a:t>
             </a:r>
-            <a:endParaRPr lang="en-US" sz="2800" b="1" noProof="1">
-              <a:latin typeface="Consolas" pitchFamily="49" charset="0"/>
-              <a:cs typeface="Consolas" pitchFamily="49" charset="0"/>
-            </a:endParaRPr>
           </a:p>
         </p:txBody>
       </p:sp>
@@ -20833,10 +20671,9 @@
               <a:t> от потребителя </a:t>
             </a:r>
             <a:r>
-              <a:rPr lang="bg-BG" b="1" dirty="0" smtClean="0"/>
+              <a:rPr lang="bg-BG" b="1" dirty="0"/>
               <a:t>текст</a:t>
             </a:r>
-            <a:endParaRPr lang="bg-BG" b="1" dirty="0"/>
           </a:p>
           <a:p>
             <a:pPr lvl="1"/>
@@ -20868,13 +20705,8 @@
           <a:p>
             <a:r>
               <a:rPr lang="bg-BG" sz="3200" dirty="0"/>
-              <a:t>Примерен вход и изход</a:t>
-            </a:r>
-            <a:r>
-              <a:rPr lang="bg-BG" sz="3200" dirty="0" smtClean="0"/>
-              <a:t>:</a:t>
-            </a:r>
-            <a:endParaRPr lang="bg-BG" sz="3200" dirty="0"/>
+              <a:t>Примерен вход и изход:</a:t>
+            </a:r>
           </a:p>
         </p:txBody>
       </p:sp>
@@ -23313,7 +23145,7 @@
               <a:t> на блок код с </a:t>
             </a:r>
             <a:r>
-              <a:rPr lang="en-US" sz="2800" b="1" dirty="0" smtClean="0">
+              <a:rPr lang="en-US" sz="2800" b="1" dirty="0">
                 <a:solidFill>
                   <a:schemeClr val="accent1">
                     <a:lumMod val="60000"/>
@@ -23324,7 +23156,7 @@
               <a:t>for</a:t>
             </a:r>
             <a:r>
-              <a:rPr lang="en-US" sz="2800" dirty="0" smtClean="0">
+              <a:rPr lang="en-US" sz="2800" dirty="0">
                 <a:solidFill>
                   <a:schemeClr val="accent1">
                     <a:lumMod val="60000"/>
@@ -23335,7 +23167,7 @@
               <a:t> </a:t>
             </a:r>
             <a:r>
-              <a:rPr lang="bg-BG" sz="2800" b="1" dirty="0" smtClean="0">
+              <a:rPr lang="bg-BG" sz="2800" b="1" dirty="0">
                 <a:solidFill>
                   <a:schemeClr val="bg2"/>
                 </a:solidFill>
@@ -23425,20 +23257,12 @@
               </a:lnSpc>
             </a:pPr>
             <a:r>
-              <a:rPr lang="bg-BG" sz="2800" dirty="0" smtClean="0">
+              <a:rPr lang="bg-BG" sz="2800" dirty="0">
                 <a:solidFill>
                   <a:schemeClr val="bg2"/>
                 </a:solidFill>
               </a:rPr>
-              <a:t>Вземане </a:t>
-            </a:r>
-            <a:r>
-              <a:rPr lang="bg-BG" sz="2800" dirty="0">
-                <a:solidFill>
-                  <a:schemeClr val="bg2"/>
-                </a:solidFill>
-              </a:rPr>
-              <a:t>на </a:t>
+              <a:t>Вземане на </a:t>
             </a:r>
             <a:r>
               <a:rPr lang="bg-BG" sz="2800" b="1" dirty="0">
@@ -23470,17 +23294,9 @@
                   <a:schemeClr val="bg2"/>
                 </a:solidFill>
               </a:rPr>
-              <a:t> от </a:t>
-            </a:r>
-            <a:r>
-              <a:rPr lang="bg-BG" sz="2800" dirty="0" smtClean="0">
-                <a:solidFill>
-                  <a:schemeClr val="bg2"/>
-                </a:solidFill>
-              </a:rPr>
-              <a:t>текст</a:t>
-            </a:r>
-            <a:endParaRPr lang="en-US" sz="2800" dirty="0" smtClean="0">
+              <a:t> от текст</a:t>
+            </a:r>
+            <a:endParaRPr lang="en-US" sz="2800" dirty="0">
               <a:solidFill>
                 <a:schemeClr val="bg2"/>
               </a:solidFill>
@@ -23493,7 +23309,7 @@
               </a:lnSpc>
             </a:pPr>
             <a:r>
-              <a:rPr lang="bg-BG" sz="2800" b="1" dirty="0" smtClean="0">
+              <a:rPr lang="bg-BG" sz="2800" b="1" dirty="0">
                 <a:solidFill>
                   <a:schemeClr val="bg2"/>
                 </a:solidFill>
@@ -23501,7 +23317,7 @@
               <a:t>Повторение</a:t>
             </a:r>
             <a:r>
-              <a:rPr lang="bg-BG" sz="2800" dirty="0" smtClean="0">
+              <a:rPr lang="bg-BG" sz="2800" dirty="0">
                 <a:solidFill>
                   <a:schemeClr val="bg2"/>
                 </a:solidFill>
@@ -23509,7 +23325,7 @@
               <a:t> на блок код с </a:t>
             </a:r>
             <a:r>
-              <a:rPr lang="en-US" sz="2800" b="1" dirty="0" smtClean="0">
+              <a:rPr lang="en-US" sz="2800" b="1" dirty="0">
                 <a:solidFill>
                   <a:schemeClr val="accent1">
                     <a:lumMod val="60000"/>
@@ -23520,7 +23336,7 @@
               <a:t>while</a:t>
             </a:r>
             <a:r>
-              <a:rPr lang="en-US" sz="2800" b="1" dirty="0" smtClean="0">
+              <a:rPr lang="en-US" sz="2800" b="1" dirty="0">
                 <a:solidFill>
                   <a:schemeClr val="bg2"/>
                 </a:solidFill>
@@ -23528,7 +23344,7 @@
               <a:t> </a:t>
             </a:r>
             <a:r>
-              <a:rPr lang="bg-BG" sz="2800" b="1" dirty="0" smtClean="0">
+              <a:rPr lang="bg-BG" sz="2800" b="1" dirty="0">
                 <a:solidFill>
                   <a:schemeClr val="bg2"/>
                 </a:solidFill>
@@ -23543,7 +23359,7 @@
               </a:lnSpc>
             </a:pPr>
             <a:r>
-              <a:rPr lang="bg-BG" sz="2800" b="1" dirty="0" smtClean="0">
+              <a:rPr lang="bg-BG" sz="2800" b="1" dirty="0">
                 <a:solidFill>
                   <a:schemeClr val="bg2"/>
                 </a:solidFill>
@@ -23551,7 +23367,7 @@
               <a:t>Прекъсване</a:t>
             </a:r>
             <a:r>
-              <a:rPr lang="bg-BG" sz="2800" dirty="0" smtClean="0">
+              <a:rPr lang="bg-BG" sz="2800" dirty="0">
                 <a:solidFill>
                   <a:schemeClr val="bg2"/>
                 </a:solidFill>
@@ -23559,7 +23375,7 @@
               <a:t> на цикли с </a:t>
             </a:r>
             <a:r>
-              <a:rPr lang="bg-BG" sz="2800" b="1" dirty="0" smtClean="0">
+              <a:rPr lang="bg-BG" sz="2800" b="1" dirty="0">
                 <a:solidFill>
                   <a:schemeClr val="bg2"/>
                 </a:solidFill>
@@ -23567,7 +23383,7 @@
               <a:t>оператора </a:t>
             </a:r>
             <a:r>
-              <a:rPr lang="en-US" sz="2800" b="1" dirty="0" smtClean="0">
+              <a:rPr lang="en-US" sz="2800" b="1" dirty="0">
                 <a:solidFill>
                   <a:schemeClr val="accent1">
                     <a:lumMod val="60000"/>
@@ -23585,7 +23401,7 @@
               </a:lnSpc>
             </a:pPr>
             <a:r>
-              <a:rPr lang="bg-BG" sz="2800" b="1" dirty="0" smtClean="0">
+              <a:rPr lang="bg-BG" sz="2800" b="1" dirty="0">
                 <a:solidFill>
                   <a:schemeClr val="bg2"/>
                 </a:solidFill>
@@ -23593,7 +23409,7 @@
               <a:t>Продължаване</a:t>
             </a:r>
             <a:r>
-              <a:rPr lang="bg-BG" sz="2800" dirty="0" smtClean="0">
+              <a:rPr lang="bg-BG" sz="2800" dirty="0">
                 <a:solidFill>
                   <a:schemeClr val="bg2"/>
                 </a:solidFill>
@@ -23601,7 +23417,7 @@
               <a:t> към следващата итерация с </a:t>
             </a:r>
             <a:r>
-              <a:rPr lang="bg-BG" sz="2800" b="1" dirty="0" smtClean="0">
+              <a:rPr lang="bg-BG" sz="2800" b="1" dirty="0">
                 <a:solidFill>
                   <a:schemeClr val="bg2"/>
                 </a:solidFill>
@@ -23609,7 +23425,7 @@
               <a:t>оператора </a:t>
             </a:r>
             <a:r>
-              <a:rPr lang="en-US" sz="2800" b="1" dirty="0" smtClean="0">
+              <a:rPr lang="en-US" sz="2800" b="1" dirty="0">
                 <a:solidFill>
                   <a:schemeClr val="accent1">
                     <a:lumMod val="60000"/>
@@ -24057,7 +23873,7 @@
           <a:lstStyle/>
           <a:p>
             <a:r>
-              <a:rPr lang="bg-BG" dirty="0" smtClean="0"/>
+              <a:rPr lang="bg-BG" dirty="0"/>
               <a:t>Какво е цикъл?</a:t>
             </a:r>
             <a:endParaRPr lang="en-US" dirty="0"/>
@@ -24148,13 +23964,6 @@
       <p:transition spd="slow" advClick="0" advTm="5000"/>
     </mc:Fallback>
   </mc:AlternateContent>
-  <p:timing>
-    <p:tnLst>
-      <p:par>
-        <p:cTn id="1" dur="indefinite" restart="never" nodeType="tmRoot"/>
-      </p:par>
-    </p:tnLst>
-  </p:timing>
 </p:sld>
 </file>
 
@@ -24272,7 +24081,7 @@
                 <a:hlinkClick r:id="rId3">
                   <a:extLst>
                     <a:ext uri="{A12FA001-AC4F-418D-AE19-62706E023703}">
-                      <ahyp:hlinkClr xmlns:ahyp="http://schemas.microsoft.com/office/drawing/2018/hyperlinkcolor" xmlns="" val="tx"/>
+                      <ahyp:hlinkClr xmlns:ahyp="http://schemas.microsoft.com/office/drawing/2018/hyperlinkcolor" val="tx"/>
                     </a:ext>
                   </a:extLst>
                 </a:hlinkClick>
@@ -24345,13 +24154,6 @@
       <p:transition spd="slow" advClick="0" advTm="5000"/>
     </mc:Fallback>
   </mc:AlternateContent>
-  <p:timing>
-    <p:tnLst>
-      <p:par>
-        <p:cTn id="1" dur="indefinite" restart="never" nodeType="tmRoot"/>
-      </p:par>
-    </p:tnLst>
-  </p:timing>
 </p:sld>
 </file>
 
@@ -24735,13 +24537,6 @@
       <p:transition spd="slow" advClick="0" advTm="5000"/>
     </mc:Fallback>
   </mc:AlternateContent>
-  <p:timing>
-    <p:tnLst>
-      <p:par>
-        <p:cTn id="1" dur="indefinite" restart="never" nodeType="tmRoot"/>
-      </p:par>
-    </p:tnLst>
-  </p:timing>
 </p:sld>
 </file>
 
@@ -24810,15 +24605,7 @@
           <a:p>
             <a:r>
               <a:rPr lang="bg-BG" dirty="0"/>
-              <a:t>Когато сме </a:t>
-            </a:r>
-            <a:r>
-              <a:rPr lang="bg-BG" dirty="0" smtClean="0"/>
-              <a:t>абитуриенти, броим </a:t>
-            </a:r>
-            <a:r>
-              <a:rPr lang="bg-BG" dirty="0"/>
-              <a:t>до 12</a:t>
+              <a:t>Когато сме абитуриенти, броим до 12</a:t>
             </a:r>
             <a:endParaRPr lang="en-US" dirty="0"/>
           </a:p>
@@ -24844,11 +24631,7 @@
           <a:p>
             <a:r>
               <a:rPr lang="bg-BG" dirty="0"/>
-              <a:t>Какво е цикъл? </a:t>
-            </a:r>
-            <a:r>
-              <a:rPr lang="bg-BG" dirty="0" smtClean="0"/>
-              <a:t>(1)</a:t>
+              <a:t>Какво е цикъл? (1)</a:t>
             </a:r>
             <a:endParaRPr lang="en-US" dirty="0"/>
           </a:p>
@@ -26792,20 +26575,8 @@
           <a:lstStyle/>
           <a:p>
             <a:r>
-              <a:rPr lang="en-US" dirty="0" err="1"/>
-              <a:t>Какво</a:t>
-            </a:r>
-            <a:r>
-              <a:rPr lang="en-US" dirty="0"/>
-              <a:t> е </a:t>
-            </a:r>
-            <a:r>
-              <a:rPr lang="en-US" dirty="0" err="1"/>
-              <a:t>цикъл</a:t>
-            </a:r>
-            <a:r>
-              <a:rPr lang="en-US" dirty="0"/>
-              <a:t>? (2)</a:t>
+              <a:rPr lang="bg-BG" noProof="0" dirty="0"/>
+              <a:t>Какво е цикъл? (2)</a:t>
             </a:r>
           </a:p>
         </p:txBody>
@@ -27091,13 +26862,8 @@
             </a:pPr>
             <a:r>
               <a:rPr lang="nn-NO" dirty="0"/>
-              <a:t>while i &lt; </a:t>
-            </a:r>
-            <a:r>
-              <a:rPr lang="nn-NO" dirty="0" smtClean="0"/>
-              <a:t>13:</a:t>
-            </a:r>
-            <a:endParaRPr lang="nn-NO" dirty="0"/>
+              <a:t>while i &lt; 13:</a:t>
+            </a:r>
           </a:p>
           <a:p>
             <a:pPr>
@@ -27194,7 +26960,7 @@
             <a:p>
               <a:pPr algn="ctr"/>
               <a:r>
-                <a:rPr lang="en-US" sz="2800" b="1" dirty="0" smtClean="0">
+                <a:rPr lang="en-US" sz="2800" b="1" dirty="0">
                   <a:solidFill>
                     <a:srgbClr val="FFFFFF"/>
                   </a:solidFill>
@@ -27208,18 +26974,6 @@
                 </a:rPr>
                 <a:t>i</a:t>
               </a:r>
-              <a:endParaRPr lang="en-US" sz="2800" b="1" dirty="0">
-                <a:solidFill>
-                  <a:srgbClr val="FFFFFF"/>
-                </a:solidFill>
-                <a:effectLst>
-                  <a:outerShdw blurRad="38100" dist="38100" dir="2700000" algn="tl">
-                    <a:srgbClr val="000000">
-                      <a:alpha val="43137"/>
-                    </a:srgbClr>
-                  </a:outerShdw>
-                </a:effectLst>
-              </a:endParaRPr>
             </a:p>
           </p:txBody>
         </p:sp>
@@ -27279,7 +27033,7 @@
             <a:p>
               <a:pPr algn="ctr"/>
               <a:r>
-                <a:rPr lang="bg-BG" sz="2800" b="1" dirty="0" smtClean="0">
+                <a:rPr lang="bg-BG" sz="2800" b="1" dirty="0">
                   <a:solidFill>
                     <a:srgbClr val="FFFFFF"/>
                   </a:solidFill>
@@ -27364,7 +27118,7 @@
             <a:p>
               <a:pPr algn="ctr"/>
               <a:r>
-                <a:rPr lang="en-US" sz="2800" b="1" dirty="0" smtClean="0">
+                <a:rPr lang="en-US" sz="2800" b="1" dirty="0">
                   <a:solidFill>
                     <a:srgbClr val="FFFFFF"/>
                   </a:solidFill>
@@ -27378,18 +27132,6 @@
                 </a:rPr>
                 <a:t>i = 1</a:t>
               </a:r>
-              <a:endParaRPr lang="en-US" sz="2800" b="1" dirty="0">
-                <a:solidFill>
-                  <a:srgbClr val="FFFFFF"/>
-                </a:solidFill>
-                <a:effectLst>
-                  <a:outerShdw blurRad="38100" dist="38100" dir="2700000" algn="tl">
-                    <a:srgbClr val="000000">
-                      <a:alpha val="43137"/>
-                    </a:srgbClr>
-                  </a:outerShdw>
-                </a:effectLst>
-              </a:endParaRPr>
             </a:p>
           </p:txBody>
         </p:sp>
@@ -27449,7 +27191,7 @@
             <a:p>
               <a:pPr algn="ctr"/>
               <a:r>
-                <a:rPr lang="bg-BG" sz="2800" b="1" dirty="0" smtClean="0">
+                <a:rPr lang="bg-BG" sz="2800" b="1" dirty="0">
                   <a:solidFill>
                     <a:srgbClr val="FFFFFF"/>
                   </a:solidFill>
@@ -27534,7 +27276,7 @@
             <a:p>
               <a:pPr algn="ctr"/>
               <a:r>
-                <a:rPr lang="en-US" sz="2800" b="1" dirty="0" smtClean="0">
+                <a:rPr lang="en-US" sz="2800" b="1" dirty="0">
                   <a:solidFill>
                     <a:srgbClr val="FFFFFF"/>
                   </a:solidFill>
@@ -27548,18 +27290,6 @@
                 </a:rPr>
                 <a:t>i &lt; 13</a:t>
               </a:r>
-              <a:endParaRPr lang="en-US" sz="2800" b="1" dirty="0">
-                <a:solidFill>
-                  <a:srgbClr val="FFFFFF"/>
-                </a:solidFill>
-                <a:effectLst>
-                  <a:outerShdw blurRad="38100" dist="38100" dir="2700000" algn="tl">
-                    <a:srgbClr val="000000">
-                      <a:alpha val="43137"/>
-                    </a:srgbClr>
-                  </a:outerShdw>
-                </a:effectLst>
-              </a:endParaRPr>
             </a:p>
           </p:txBody>
         </p:sp>
@@ -28316,7 +28046,7 @@
           <a:lstStyle/>
           <a:p>
             <a:r>
-              <a:rPr lang="bg-BG" dirty="0" smtClean="0"/>
+              <a:rPr lang="bg-BG" dirty="0"/>
               <a:t>Конструкция и употреба</a:t>
             </a:r>
             <a:endParaRPr lang="en-US" dirty="0"/>
@@ -28339,11 +28069,11 @@
           <a:lstStyle/>
           <a:p>
             <a:r>
-              <a:rPr lang="en-US" dirty="0" smtClean="0"/>
+              <a:rPr lang="en-US" dirty="0"/>
               <a:t>For </a:t>
             </a:r>
             <a:r>
-              <a:rPr lang="bg-BG" dirty="0" smtClean="0"/>
+              <a:rPr lang="bg-BG" dirty="0"/>
               <a:t>цикъл</a:t>
             </a:r>
             <a:endParaRPr lang="en-US" dirty="0"/>
@@ -28486,7 +28216,7 @@
               <a:buSzPct val="70000"/>
             </a:pPr>
             <a:r>
-              <a:rPr lang="en-US" sz="7200" b="1" dirty="0" smtClean="0">
+              <a:rPr lang="en-US" sz="7200" b="1" dirty="0">
                 <a:solidFill>
                   <a:schemeClr val="bg2"/>
                 </a:solidFill>
@@ -28521,13 +28251,6 @@
       <p:transition spd="slow" advClick="0" advTm="5000"/>
     </mc:Fallback>
   </mc:AlternateContent>
-  <p:timing>
-    <p:tnLst>
-      <p:par>
-        <p:cTn id="1" dur="indefinite" restart="never" nodeType="tmRoot"/>
-      </p:par>
-    </p:tnLst>
-  </p:timing>
 </p:sld>
 </file>
 
@@ -28575,7 +28298,7 @@
               <a:t>Можем да повтаряме действия до определен момент чрез </a:t>
             </a:r>
             <a:r>
-              <a:rPr lang="en-US" sz="3600" b="1" dirty="0" smtClean="0">
+              <a:rPr lang="en-US" sz="3600" b="1" dirty="0">
                 <a:solidFill>
                   <a:schemeClr val="bg1"/>
                 </a:solidFill>
@@ -28584,7 +28307,7 @@
               <a:t>for</a:t>
             </a:r>
             <a:r>
-              <a:rPr lang="en-US" sz="3600" b="1" dirty="0" smtClean="0">
+              <a:rPr lang="en-US" sz="3600" b="1" dirty="0">
                 <a:solidFill>
                   <a:schemeClr val="bg1"/>
                 </a:solidFill>
@@ -28592,10 +28315,9 @@
               <a:t> </a:t>
             </a:r>
             <a:r>
-              <a:rPr lang="bg-BG" sz="3600" dirty="0" smtClean="0"/>
+              <a:rPr lang="bg-BG" sz="3600" dirty="0"/>
               <a:t>цикли</a:t>
             </a:r>
-            <a:endParaRPr lang="bg-BG" sz="3600" dirty="0"/>
           </a:p>
         </p:txBody>
       </p:sp>
@@ -28615,16 +28337,12 @@
           <a:lstStyle/>
           <a:p>
             <a:r>
-              <a:rPr lang="en-US" dirty="0" smtClean="0"/>
+              <a:rPr lang="en-US" dirty="0"/>
               <a:t>For </a:t>
             </a:r>
             <a:r>
-              <a:rPr lang="bg-BG" dirty="0" smtClean="0"/>
-              <a:t>цикъл </a:t>
-            </a:r>
-            <a:r>
               <a:rPr lang="bg-BG" dirty="0"/>
-              <a:t>– конструкция</a:t>
+              <a:t>цикъл – конструкция</a:t>
             </a:r>
             <a:endParaRPr lang="en-US" dirty="0"/>
           </a:p>
@@ -28716,19 +28434,8 @@
                 <a:latin typeface="Consolas" pitchFamily="49" charset="0"/>
                 <a:cs typeface="Consolas" pitchFamily="49" charset="0"/>
               </a:rPr>
-              <a:t>    </a:t>
-            </a:r>
-            <a:r>
-              <a:rPr lang="en-US" sz="2800" b="1" noProof="1" smtClean="0">
-                <a:latin typeface="Consolas" pitchFamily="49" charset="0"/>
-                <a:cs typeface="Consolas" pitchFamily="49" charset="0"/>
-              </a:rPr>
-              <a:t>print(i)</a:t>
-            </a:r>
-            <a:endParaRPr lang="en-US" sz="2800" b="1" noProof="1">
-              <a:latin typeface="Consolas" pitchFamily="49" charset="0"/>
-              <a:cs typeface="Consolas" pitchFamily="49" charset="0"/>
-            </a:endParaRPr>
+              <a:t>    print(i)</a:t>
+            </a:r>
           </a:p>
         </p:txBody>
       </p:sp>
@@ -28979,22 +28686,7 @@
                   </a:outerShdw>
                 </a:effectLst>
               </a:rPr>
-              <a:t> </a:t>
-            </a:r>
-            <a:r>
-              <a:rPr lang="en-US" sz="2400" b="1" dirty="0" smtClean="0">
-                <a:solidFill>
-                  <a:srgbClr val="FFFFFF"/>
-                </a:solidFill>
-                <a:effectLst>
-                  <a:outerShdw blurRad="38100" dist="38100" dir="2700000" algn="tl">
-                    <a:srgbClr val="000000">
-                      <a:alpha val="43137"/>
-                    </a:srgbClr>
-                  </a:outerShdw>
-                </a:effectLst>
-              </a:rPr>
-              <a:t>+1</a:t>
+              <a:t> +1</a:t>
             </a:r>
             <a:endParaRPr lang="bg-BG" sz="2400" b="1" dirty="0">
               <a:solidFill>
@@ -29285,7 +28977,7 @@
           <a:p>
             <a:pPr algn="ctr"/>
             <a:r>
-              <a:rPr lang="bg-BG" sz="2400" b="1" dirty="0" smtClean="0">
+              <a:rPr lang="bg-BG" sz="2400" b="1" dirty="0">
                 <a:solidFill>
                   <a:srgbClr val="FFFFFF"/>
                 </a:solidFill>
@@ -29299,18 +28991,6 @@
               </a:rPr>
               <a:t>Брояч на цикъла</a:t>
             </a:r>
-            <a:endParaRPr lang="bg-BG" sz="2400" b="1" dirty="0">
-              <a:solidFill>
-                <a:srgbClr val="FFFFFF"/>
-              </a:solidFill>
-              <a:effectLst>
-                <a:outerShdw blurRad="38100" dist="38100" dir="2700000" algn="tl">
-                  <a:srgbClr val="000000">
-                    <a:alpha val="43137"/>
-                  </a:srgbClr>
-                </a:outerShdw>
-              </a:effectLst>
-            </a:endParaRPr>
           </a:p>
         </p:txBody>
       </p:sp>
@@ -29746,10 +29426,9 @@
           <a:lstStyle/>
           <a:p>
             <a:r>
-              <a:rPr lang="en-US" dirty="0" smtClean="0"/>
+              <a:rPr lang="en-US" dirty="0"/>
               <a:t>Python</a:t>
             </a:r>
-            <a:endParaRPr lang="en-US" dirty="0"/>
           </a:p>
         </p:txBody>
       </p:sp>
@@ -29769,10 +29448,9 @@
           <a:lstStyle/>
           <a:p>
             <a:r>
-              <a:rPr lang="en-US" dirty="0" smtClean="0"/>
+              <a:rPr lang="en-US" dirty="0"/>
               <a:t>Scratch</a:t>
             </a:r>
-            <a:endParaRPr lang="en-US" dirty="0"/>
           </a:p>
         </p:txBody>
       </p:sp>
@@ -29792,26 +29470,25 @@
           <a:lstStyle/>
           <a:p>
             <a:r>
-              <a:rPr lang="en-US" dirty="0" smtClean="0"/>
+              <a:rPr lang="en-US" dirty="0"/>
               <a:t>For </a:t>
             </a:r>
             <a:r>
-              <a:rPr lang="bg-BG" dirty="0" smtClean="0"/>
+              <a:rPr lang="bg-BG" dirty="0"/>
               <a:t>цикъл – </a:t>
             </a:r>
             <a:r>
-              <a:rPr lang="en-US" dirty="0" smtClean="0"/>
+              <a:rPr lang="en-US" dirty="0"/>
               <a:t>Scratch </a:t>
             </a:r>
             <a:r>
-              <a:rPr lang="bg-BG" dirty="0" smtClean="0"/>
+              <a:rPr lang="bg-BG" dirty="0"/>
               <a:t>срещу </a:t>
             </a:r>
             <a:r>
-              <a:rPr lang="en-US" dirty="0" smtClean="0"/>
+              <a:rPr lang="en-US" dirty="0"/>
               <a:t>Python</a:t>
             </a:r>
-            <a:endParaRPr lang="en-US" dirty="0"/>
           </a:p>
         </p:txBody>
       </p:sp>
@@ -30104,7 +29781,7 @@
               <a:t>Можем да използваме </a:t>
             </a:r>
             <a:r>
-              <a:rPr lang="bg-BG" sz="3600" b="1" dirty="0" smtClean="0">
+              <a:rPr lang="bg-BG" sz="3600" b="1" dirty="0">
                 <a:solidFill>
                   <a:schemeClr val="bg1"/>
                 </a:solidFill>
@@ -30112,12 +29789,8 @@
               <a:t>стъпка</a:t>
             </a:r>
             <a:r>
-              <a:rPr lang="bg-BG" sz="3600" dirty="0" smtClean="0"/>
-              <a:t>, </a:t>
-            </a:r>
-            <a:r>
               <a:rPr lang="bg-BG" sz="3600" dirty="0"/>
-              <a:t>ако искаме да променяме стойността на </a:t>
+              <a:t>, ако искаме да променяме стойността на </a:t>
             </a:r>
             <a:r>
               <a:rPr lang="en-GB" sz="3600" b="1" dirty="0"/>
@@ -30195,15 +29868,15 @@
           <a:lstStyle/>
           <a:p>
             <a:r>
-              <a:rPr lang="en-US" dirty="0" smtClean="0"/>
+              <a:rPr lang="en-US" dirty="0"/>
               <a:t>For</a:t>
             </a:r>
             <a:r>
-              <a:rPr lang="bg-BG" dirty="0" smtClean="0"/>
+              <a:rPr lang="bg-BG" dirty="0"/>
               <a:t> цикъл</a:t>
             </a:r>
             <a:r>
-              <a:rPr lang="en-GB" dirty="0" smtClean="0"/>
+              <a:rPr lang="en-GB" dirty="0"/>
               <a:t> </a:t>
             </a:r>
             <a:r>
